--- a/DOC/1, Java Core/1. JVM _ Memory Management/Memory management.pptx
+++ b/DOC/1, Java Core/1. JVM _ Memory Management/Memory management.pptx
@@ -35,7 +35,7 @@
   <p:notesSz cx="6858000" cy="9144000"/>
   <p:embeddedFontLst>
     <p:embeddedFont>
-      <p:font typeface="Lora" panose="020B0604020202020204" charset="0"/>
+      <p:font typeface="Lora" pitchFamily="2" charset="0"/>
       <p:regular r:id="rId25"/>
       <p:bold r:id="rId26"/>
       <p:italic r:id="rId27"/>
@@ -294,7 +294,7 @@
       </p15:sldGuideLst>
     </p:ext>
     <p:ext uri="http://customooxmlschemas.google.com/">
-      <go:slidesCustomData xmlns="" xmlns:mc="http://schemas.openxmlformats.org/markup-compatibility/2006" xmlns:mv="urn:schemas-microsoft-com:mac:vml" xmlns:c="http://schemas.openxmlformats.org/drawingml/2006/chart" xmlns:dgm="http://schemas.openxmlformats.org/drawingml/2006/diagram" xmlns:o="urn:schemas-microsoft-com:office:office" xmlns:v="urn:schemas-microsoft-com:vml" xmlns:pvml="urn:schemas-microsoft-com:office:powerpoint" xmlns:com="http://schemas.openxmlformats.org/drawingml/2006/compatibility" xmlns:p14="http://schemas.microsoft.com/office/powerpoint/2010/main" xmlns:p15="http://schemas.microsoft.com/office/powerpoint/2012/main" xmlns:ahyp="http://schemas.microsoft.com/office/drawing/2018/hyperlinkcolor" xmlns:go="http://customooxmlschemas.google.com/" r:id="rId39" roundtripDataSignature="AMtx7mhLFoc0FslZGFx1X/JGiTbl5CTP1Q=="/>
+      <go:slidesCustomData xmlns:go="http://customooxmlschemas.google.com/" xmlns:ahyp="http://schemas.microsoft.com/office/drawing/2018/hyperlinkcolor" xmlns:p15="http://schemas.microsoft.com/office/powerpoint/2012/main" xmlns:p14="http://schemas.microsoft.com/office/powerpoint/2010/main" xmlns:com="http://schemas.openxmlformats.org/drawingml/2006/compatibility" xmlns:pvml="urn:schemas-microsoft-com:office:powerpoint" xmlns:v="urn:schemas-microsoft-com:vml" xmlns:o="urn:schemas-microsoft-com:office:office" xmlns:dgm="http://schemas.openxmlformats.org/drawingml/2006/diagram" xmlns:c="http://schemas.openxmlformats.org/drawingml/2006/chart" xmlns:mv="urn:schemas-microsoft-com:mac:vml" xmlns:mc="http://schemas.openxmlformats.org/markup-compatibility/2006" xmlns="" r:id="rId39" roundtripDataSignature="AMtx7mhLFoc0FslZGFx1X/JGiTbl5CTP1Q=="/>
     </p:ext>
   </p:extLst>
 </p:presentation>
@@ -9048,10 +9048,46 @@
                 <a:cs typeface="Quattrocento Sans"/>
                 <a:sym typeface="Quattrocento Sans"/>
               </a:rPr>
-              <a:t>The heap itself is divided into a 2 parts: </a:t>
+              <a:t>The heap itself is divided </a:t>
+            </a:r>
+            <a:r>
+              <a:rPr lang="en-US" sz="1000" b="0" i="0" u="none" strike="noStrike" cap="none">
+                <a:solidFill>
+                  <a:srgbClr val="000000"/>
+                </a:solidFill>
+                <a:latin typeface="+mj-lt"/>
+                <a:ea typeface="Quattrocento Sans"/>
+                <a:cs typeface="Quattrocento Sans"/>
+                <a:sym typeface="Quattrocento Sans"/>
+              </a:rPr>
+              <a:t>into 2 </a:t>
             </a:r>
             <a:r>
               <a:rPr lang="en-US" sz="1000" b="0" i="0" u="none" strike="noStrike" cap="none" dirty="0">
+                <a:solidFill>
+                  <a:srgbClr val="000000"/>
+                </a:solidFill>
+                <a:latin typeface="+mj-lt"/>
+                <a:ea typeface="Quattrocento Sans"/>
+                <a:cs typeface="Quattrocento Sans"/>
+                <a:sym typeface="Quattrocento Sans"/>
+              </a:rPr>
+              <a:t>parts</a:t>
+            </a:r>
+            <a:r>
+              <a:rPr lang="en-US" sz="1000" b="0" i="0" u="none" strike="noStrike" cap="none">
+                <a:solidFill>
+                  <a:srgbClr val="000000"/>
+                </a:solidFill>
+                <a:latin typeface="+mj-lt"/>
+                <a:ea typeface="Quattrocento Sans"/>
+                <a:cs typeface="Quattrocento Sans"/>
+                <a:sym typeface="Quattrocento Sans"/>
+              </a:rPr>
+              <a:t>: the </a:t>
+            </a:r>
+            <a:r>
+              <a:rPr lang="en-US" sz="1000" b="0" i="0" u="none" strike="noStrike" cap="none">
                 <a:solidFill>
                   <a:srgbClr val="000000"/>
                 </a:solidFill>
@@ -9066,7 +9102,7 @@
               <a:t>Young</a:t>
             </a:r>
             <a:r>
-              <a:rPr lang="en-US" sz="1000" b="0" i="0" u="none" strike="noStrike" cap="none" dirty="0">
+              <a:rPr lang="en-US" sz="1000" b="0" i="0" u="none" strike="noStrike" cap="none">
                 <a:solidFill>
                   <a:srgbClr val="000000"/>
                 </a:solidFill>
@@ -9075,7 +9111,19 @@
                 <a:cs typeface="Quattrocento Sans"/>
                 <a:sym typeface="Quattrocento Sans"/>
               </a:rPr>
-              <a:t> and </a:t>
+              <a:t> </a:t>
+            </a:r>
+            <a:r>
+              <a:rPr lang="en-US" sz="1000" b="0" i="0" u="none" strike="noStrike" cap="none" dirty="0">
+                <a:solidFill>
+                  <a:srgbClr val="000000"/>
+                </a:solidFill>
+                <a:latin typeface="+mj-lt"/>
+                <a:ea typeface="Quattrocento Sans"/>
+                <a:cs typeface="Quattrocento Sans"/>
+                <a:sym typeface="Quattrocento Sans"/>
+              </a:rPr>
+              <a:t>and </a:t>
             </a:r>
             <a:r>
               <a:rPr lang="en-US" sz="1000" b="0" i="0" u="none" strike="noStrike" cap="none" dirty="0">
@@ -9696,7 +9744,19 @@
                 <a:cs typeface="Quattrocento Sans"/>
                 <a:sym typeface="Quattrocento Sans"/>
               </a:rPr>
-              <a:t>objects that are long lived </a:t>
+              <a:t>objects that </a:t>
+            </a:r>
+            <a:r>
+              <a:rPr lang="en-US" sz="1000" b="1" i="0" u="none" strike="noStrike" cap="none">
+                <a:solidFill>
+                  <a:srgbClr val="000000"/>
+                </a:solidFill>
+                <a:latin typeface="+mj-lt"/>
+                <a:ea typeface="Quattrocento Sans"/>
+                <a:cs typeface="Quattrocento Sans"/>
+                <a:sym typeface="Quattrocento Sans"/>
+              </a:rPr>
+              <a:t>are long-lived </a:t>
             </a:r>
             <a:r>
               <a:rPr lang="en-US" sz="1000" b="0" i="0" u="none" strike="noStrike" cap="none" dirty="0">
@@ -9812,7 +9872,31 @@
                 <a:cs typeface="Quattrocento Sans"/>
                 <a:sym typeface="Quattrocento Sans"/>
               </a:rPr>
-              <a:t>When Old generation memory space is filled with objects, major garbage collector will be performed.</a:t>
+              <a:t>When Old generation memory space is filled with objects, major </a:t>
+            </a:r>
+            <a:r>
+              <a:rPr lang="en-US" sz="1000" b="0" i="0" u="none" strike="noStrike" cap="none">
+                <a:solidFill>
+                  <a:srgbClr val="000000"/>
+                </a:solidFill>
+                <a:latin typeface="+mj-lt"/>
+                <a:ea typeface="Quattrocento Sans"/>
+                <a:cs typeface="Quattrocento Sans"/>
+                <a:sym typeface="Quattrocento Sans"/>
+              </a:rPr>
+              <a:t>garbage collectors </a:t>
+            </a:r>
+            <a:r>
+              <a:rPr lang="en-US" sz="1000" b="0" i="0" u="none" strike="noStrike" cap="none" dirty="0">
+                <a:solidFill>
+                  <a:srgbClr val="000000"/>
+                </a:solidFill>
+                <a:latin typeface="+mj-lt"/>
+                <a:ea typeface="Quattrocento Sans"/>
+                <a:cs typeface="Quattrocento Sans"/>
+                <a:sym typeface="Quattrocento Sans"/>
+              </a:rPr>
+              <a:t>will be performed.</a:t>
             </a:r>
             <a:endParaRPr sz="1000" b="0" i="0" u="none" strike="noStrike" cap="none" dirty="0">
               <a:solidFill>
@@ -9852,7 +9936,55 @@
                 <a:cs typeface="Quattrocento Sans"/>
                 <a:sym typeface="Quattrocento Sans"/>
               </a:rPr>
-              <a:t>Number of Major garbage collections less than number of Minor garbage collections, so the time taken by Major also more than Minor.</a:t>
+              <a:t>Number of Major garbage collections less </a:t>
+            </a:r>
+            <a:r>
+              <a:rPr lang="en-US" sz="1000" b="0" i="0" u="none" strike="noStrike" cap="none">
+                <a:solidFill>
+                  <a:srgbClr val="000000"/>
+                </a:solidFill>
+                <a:latin typeface="+mj-lt"/>
+                <a:ea typeface="Quattrocento Sans"/>
+                <a:cs typeface="Quattrocento Sans"/>
+                <a:sym typeface="Quattrocento Sans"/>
+              </a:rPr>
+              <a:t>than the number </a:t>
+            </a:r>
+            <a:r>
+              <a:rPr lang="en-US" sz="1000" b="0" i="0" u="none" strike="noStrike" cap="none" dirty="0">
+                <a:solidFill>
+                  <a:srgbClr val="000000"/>
+                </a:solidFill>
+                <a:latin typeface="+mj-lt"/>
+                <a:ea typeface="Quattrocento Sans"/>
+                <a:cs typeface="Quattrocento Sans"/>
+                <a:sym typeface="Quattrocento Sans"/>
+              </a:rPr>
+              <a:t>of Minor garbage collections, so the </a:t>
+            </a:r>
+            <a:r>
+              <a:rPr lang="en-US" sz="1000" b="0" i="0" u="none" strike="noStrike" cap="none">
+                <a:solidFill>
+                  <a:srgbClr val="000000"/>
+                </a:solidFill>
+                <a:latin typeface="+mj-lt"/>
+                <a:ea typeface="Quattrocento Sans"/>
+                <a:cs typeface="Quattrocento Sans"/>
+                <a:sym typeface="Quattrocento Sans"/>
+              </a:rPr>
+              <a:t>time is taken </a:t>
+            </a:r>
+            <a:r>
+              <a:rPr lang="en-US" sz="1000" b="0" i="0" u="none" strike="noStrike" cap="none" dirty="0">
+                <a:solidFill>
+                  <a:srgbClr val="000000"/>
+                </a:solidFill>
+                <a:latin typeface="+mj-lt"/>
+                <a:ea typeface="Quattrocento Sans"/>
+                <a:cs typeface="Quattrocento Sans"/>
+                <a:sym typeface="Quattrocento Sans"/>
+              </a:rPr>
+              <a:t>by Major also more than Minor.</a:t>
             </a:r>
             <a:endParaRPr sz="1000" b="0" i="0" u="none" strike="noStrike" cap="none" dirty="0">
               <a:solidFill>
@@ -10327,7 +10459,31 @@
                 <a:cs typeface="Quattrocento Sans"/>
                 <a:sym typeface="Quattrocento Sans"/>
               </a:rPr>
-              <a:t>These are the most popular reference types that we all are used to like the example StringBuilder. The object on the heap which is not garbage collected while there is a strong reference pointing to it.</a:t>
+              <a:t>These are the most popular reference types that we all are used to like the example StringBuilder. The object on the </a:t>
+            </a:r>
+            <a:r>
+              <a:rPr lang="en-US" sz="1000" b="0" i="0" u="none" strike="noStrike" cap="none">
+                <a:solidFill>
+                  <a:srgbClr val="000000"/>
+                </a:solidFill>
+                <a:latin typeface="+mj-lt"/>
+                <a:ea typeface="Quattrocento Sans"/>
+                <a:cs typeface="Quattrocento Sans"/>
+                <a:sym typeface="Quattrocento Sans"/>
+              </a:rPr>
+              <a:t>heap is </a:t>
+            </a:r>
+            <a:r>
+              <a:rPr lang="en-US" sz="1000" b="0" i="0" u="none" strike="noStrike" cap="none" dirty="0">
+                <a:solidFill>
+                  <a:srgbClr val="000000"/>
+                </a:solidFill>
+                <a:latin typeface="+mj-lt"/>
+                <a:ea typeface="Quattrocento Sans"/>
+                <a:cs typeface="Quattrocento Sans"/>
+                <a:sym typeface="Quattrocento Sans"/>
+              </a:rPr>
+              <a:t>not garbage collected while there is a strong reference pointing to it.</a:t>
             </a:r>
             <a:endParaRPr sz="1000" b="0" i="0" u="none" strike="noStrike" cap="none" dirty="0">
               <a:solidFill>
@@ -10497,12 +10653,12 @@
               <a:buChar char="•"/>
             </a:pPr>
             <a:r>
-              <a:rPr lang="en-US" sz="1000" b="1" dirty="0">
+              <a:rPr lang="en-US" sz="1000" b="1">
                 <a:ea typeface="Quattrocento Sans"/>
                 <a:cs typeface="Quattrocento Sans"/>
                 <a:sym typeface="Quattrocento Sans"/>
               </a:rPr>
-              <a:t>Soft Reference </a:t>
+              <a:t>Soft References </a:t>
             </a:r>
             <a:r>
               <a:rPr lang="en-US" sz="1000" dirty="0">
@@ -18507,7 +18663,31 @@
                 <a:cs typeface="Quattrocento Sans"/>
                 <a:sym typeface="Quattrocento Sans"/>
               </a:rPr>
-              <a:t>Variables on the stack have a certain visibility, also called </a:t>
+              <a:t>Variables on the stack </a:t>
+            </a:r>
+            <a:r>
+              <a:rPr lang="en-US" sz="1400" b="0" i="0" u="none" strike="noStrike" cap="none">
+                <a:solidFill>
+                  <a:srgbClr val="000000"/>
+                </a:solidFill>
+                <a:latin typeface="+mj-lt"/>
+                <a:ea typeface="Quattrocento Sans"/>
+                <a:cs typeface="Quattrocento Sans"/>
+                <a:sym typeface="Quattrocento Sans"/>
+              </a:rPr>
+              <a:t>have certain </a:t>
+            </a:r>
+            <a:r>
+              <a:rPr lang="en-US" sz="1400" b="0" i="0" u="none" strike="noStrike" cap="none" dirty="0">
+                <a:solidFill>
+                  <a:srgbClr val="000000"/>
+                </a:solidFill>
+                <a:latin typeface="+mj-lt"/>
+                <a:ea typeface="Quattrocento Sans"/>
+                <a:cs typeface="Quattrocento Sans"/>
+                <a:sym typeface="Quattrocento Sans"/>
+              </a:rPr>
+              <a:t>visibility, also called </a:t>
             </a:r>
             <a:r>
               <a:rPr lang="en-US" sz="1400" b="1" i="0" u="none" strike="noStrike" cap="none" dirty="0">
@@ -18851,7 +19031,7 @@
                                         <p:tgtEl>
                                           <p:spTgt spid="89">
                                             <p:txEl>
-                                              <p:pRg st="1" end="1"/>
+                                              <p:pRg st="2" end="2"/>
                                             </p:txEl>
                                           </p:spTgt>
                                         </p:tgtEl>
@@ -18869,7 +19049,7 @@
                                         <p:tgtEl>
                                           <p:spTgt spid="89">
                                             <p:txEl>
-                                              <p:pRg st="1" end="1"/>
+                                              <p:pRg st="2" end="2"/>
                                             </p:txEl>
                                           </p:spTgt>
                                         </p:tgtEl>
@@ -18894,7 +19074,7 @@
                                         <p:tgtEl>
                                           <p:spTgt spid="89">
                                             <p:txEl>
-                                              <p:pRg st="2" end="2"/>
+                                              <p:pRg st="3" end="3"/>
                                             </p:txEl>
                                           </p:spTgt>
                                         </p:tgtEl>
@@ -18912,7 +19092,7 @@
                                         <p:tgtEl>
                                           <p:spTgt spid="89">
                                             <p:txEl>
-                                              <p:pRg st="2" end="2"/>
+                                              <p:pRg st="3" end="3"/>
                                             </p:txEl>
                                           </p:spTgt>
                                         </p:tgtEl>
@@ -18937,7 +19117,7 @@
                                         <p:tgtEl>
                                           <p:spTgt spid="89">
                                             <p:txEl>
-                                              <p:pRg st="3" end="3"/>
+                                              <p:pRg st="4" end="4"/>
                                             </p:txEl>
                                           </p:spTgt>
                                         </p:tgtEl>
@@ -18955,7 +19135,7 @@
                                         <p:tgtEl>
                                           <p:spTgt spid="89">
                                             <p:txEl>
-                                              <p:pRg st="3" end="3"/>
+                                              <p:pRg st="4" end="4"/>
                                             </p:txEl>
                                           </p:spTgt>
                                         </p:tgtEl>
@@ -18980,7 +19160,7 @@
                                         <p:tgtEl>
                                           <p:spTgt spid="89">
                                             <p:txEl>
-                                              <p:pRg st="4" end="4"/>
+                                              <p:pRg st="6" end="6"/>
                                             </p:txEl>
                                           </p:spTgt>
                                         </p:tgtEl>
@@ -18998,136 +19178,7 @@
                                         <p:tgtEl>
                                           <p:spTgt spid="89">
                                             <p:txEl>
-                                              <p:pRg st="4" end="4"/>
-                                            </p:txEl>
-                                          </p:spTgt>
-                                        </p:tgtEl>
-                                      </p:cBhvr>
-                                    </p:animEffect>
-                                  </p:childTnLst>
-                                </p:cTn>
-                              </p:par>
-                              <p:par>
-                                <p:cTn id="20" presetID="10" presetClass="entr" presetSubtype="0" fill="hold" nodeType="withEffect">
-                                  <p:stCondLst>
-                                    <p:cond delay="0"/>
-                                  </p:stCondLst>
-                                  <p:childTnLst>
-                                    <p:set>
-                                      <p:cBhvr>
-                                        <p:cTn id="21" dur="1" fill="hold">
-                                          <p:stCondLst>
-                                            <p:cond delay="0"/>
-                                          </p:stCondLst>
-                                        </p:cTn>
-                                        <p:tgtEl>
-                                          <p:spTgt spid="89">
-                                            <p:txEl>
-                                              <p:pRg st="5" end="5"/>
-                                            </p:txEl>
-                                          </p:spTgt>
-                                        </p:tgtEl>
-                                        <p:attrNameLst>
-                                          <p:attrName>style.visibility</p:attrName>
-                                        </p:attrNameLst>
-                                      </p:cBhvr>
-                                      <p:to>
-                                        <p:strVal val="visible"/>
-                                      </p:to>
-                                    </p:set>
-                                    <p:animEffect transition="in" filter="fade">
-                                      <p:cBhvr>
-                                        <p:cTn id="22" dur="500"/>
-                                        <p:tgtEl>
-                                          <p:spTgt spid="89">
-                                            <p:txEl>
-                                              <p:pRg st="5" end="5"/>
-                                            </p:txEl>
-                                          </p:spTgt>
-                                        </p:tgtEl>
-                                      </p:cBhvr>
-                                    </p:animEffect>
-                                  </p:childTnLst>
-                                </p:cTn>
-                              </p:par>
-                              <p:par>
-                                <p:cTn id="23" presetID="10" presetClass="entr" presetSubtype="0" fill="hold" nodeType="withEffect">
-                                  <p:stCondLst>
-                                    <p:cond delay="0"/>
-                                  </p:stCondLst>
-                                  <p:childTnLst>
-                                    <p:set>
-                                      <p:cBhvr>
-                                        <p:cTn id="24" dur="1" fill="hold">
-                                          <p:stCondLst>
-                                            <p:cond delay="0"/>
-                                          </p:stCondLst>
-                                        </p:cTn>
-                                        <p:tgtEl>
-                                          <p:spTgt spid="89">
-                                            <p:txEl>
                                               <p:pRg st="6" end="6"/>
-                                            </p:txEl>
-                                          </p:spTgt>
-                                        </p:tgtEl>
-                                        <p:attrNameLst>
-                                          <p:attrName>style.visibility</p:attrName>
-                                        </p:attrNameLst>
-                                      </p:cBhvr>
-                                      <p:to>
-                                        <p:strVal val="visible"/>
-                                      </p:to>
-                                    </p:set>
-                                    <p:animEffect transition="in" filter="fade">
-                                      <p:cBhvr>
-                                        <p:cTn id="25" dur="500"/>
-                                        <p:tgtEl>
-                                          <p:spTgt spid="89">
-                                            <p:txEl>
-                                              <p:pRg st="6" end="6"/>
-                                            </p:txEl>
-                                          </p:spTgt>
-                                        </p:tgtEl>
-                                      </p:cBhvr>
-                                    </p:animEffect>
-                                  </p:childTnLst>
-                                </p:cTn>
-                              </p:par>
-                              <p:par>
-                                <p:cTn id="26" presetID="10" presetClass="entr" presetSubtype="0" fill="hold" nodeType="withEffect">
-                                  <p:stCondLst>
-                                    <p:cond delay="0"/>
-                                  </p:stCondLst>
-                                  <p:childTnLst>
-                                    <p:set>
-                                      <p:cBhvr>
-                                        <p:cTn id="27" dur="1" fill="hold">
-                                          <p:stCondLst>
-                                            <p:cond delay="0"/>
-                                          </p:stCondLst>
-                                        </p:cTn>
-                                        <p:tgtEl>
-                                          <p:spTgt spid="89">
-                                            <p:txEl>
-                                              <p:pRg st="7" end="7"/>
-                                            </p:txEl>
-                                          </p:spTgt>
-                                        </p:tgtEl>
-                                        <p:attrNameLst>
-                                          <p:attrName>style.visibility</p:attrName>
-                                        </p:attrNameLst>
-                                      </p:cBhvr>
-                                      <p:to>
-                                        <p:strVal val="visible"/>
-                                      </p:to>
-                                    </p:set>
-                                    <p:animEffect transition="in" filter="fade">
-                                      <p:cBhvr>
-                                        <p:cTn id="28" dur="500"/>
-                                        <p:tgtEl>
-                                          <p:spTgt spid="89">
-                                            <p:txEl>
-                                              <p:pRg st="7" end="7"/>
                                             </p:txEl>
                                           </p:spTgt>
                                         </p:tgtEl>
@@ -19470,7 +19521,55 @@
                 <a:cs typeface="Quattrocento Sans"/>
                 <a:sym typeface="Quattrocento Sans"/>
               </a:rPr>
-              <a:t> keyword is responsible for ensuring that there is enough free space on heap, creating an object of the StringBuilder type in memory and referring to it via the “builder” reference, which goes on the stack.</a:t>
+              <a:t> keyword is responsible for ensuring that there is enough free space </a:t>
+            </a:r>
+            <a:r>
+              <a:rPr lang="en-US" sz="1400" b="0" i="0" u="none" strike="noStrike" cap="none">
+                <a:solidFill>
+                  <a:srgbClr val="000000"/>
+                </a:solidFill>
+                <a:latin typeface="+mj-lt"/>
+                <a:ea typeface="Quattrocento Sans"/>
+                <a:cs typeface="Quattrocento Sans"/>
+                <a:sym typeface="Quattrocento Sans"/>
+              </a:rPr>
+              <a:t>on the heap</a:t>
+            </a:r>
+            <a:r>
+              <a:rPr lang="en-US" sz="1400" b="0" i="0" u="none" strike="noStrike" cap="none" dirty="0">
+                <a:solidFill>
+                  <a:srgbClr val="000000"/>
+                </a:solidFill>
+                <a:latin typeface="+mj-lt"/>
+                <a:ea typeface="Quattrocento Sans"/>
+                <a:cs typeface="Quattrocento Sans"/>
+                <a:sym typeface="Quattrocento Sans"/>
+              </a:rPr>
+              <a:t>, creating an object of the StringBuilder type </a:t>
+            </a:r>
+            <a:r>
+              <a:rPr lang="en-US" sz="1400" b="0" i="0" u="none" strike="noStrike" cap="none">
+                <a:solidFill>
+                  <a:srgbClr val="000000"/>
+                </a:solidFill>
+                <a:latin typeface="+mj-lt"/>
+                <a:ea typeface="Quattrocento Sans"/>
+                <a:cs typeface="Quattrocento Sans"/>
+                <a:sym typeface="Quattrocento Sans"/>
+              </a:rPr>
+              <a:t>in memory, </a:t>
+            </a:r>
+            <a:r>
+              <a:rPr lang="en-US" sz="1400" b="0" i="0" u="none" strike="noStrike" cap="none" dirty="0">
+                <a:solidFill>
+                  <a:srgbClr val="000000"/>
+                </a:solidFill>
+                <a:latin typeface="+mj-lt"/>
+                <a:ea typeface="Quattrocento Sans"/>
+                <a:cs typeface="Quattrocento Sans"/>
+                <a:sym typeface="Quattrocento Sans"/>
+              </a:rPr>
+              <a:t>and referring to it via the “builder” reference, which goes on the stack.</a:t>
             </a:r>
             <a:endParaRPr sz="1400" b="0" i="0" u="none" strike="noStrike" cap="none" dirty="0">
               <a:solidFill>
@@ -19857,7 +19956,7 @@
                                         <p:tgtEl>
                                           <p:spTgt spid="102">
                                             <p:txEl>
-                                              <p:pRg st="2" end="2"/>
+                                              <p:pRg st="6" end="6"/>
                                             </p:txEl>
                                           </p:spTgt>
                                         </p:tgtEl>
@@ -19872,178 +19971,6 @@
                                     <p:animEffect transition="in" filter="fade">
                                       <p:cBhvr>
                                         <p:cTn id="13" dur="500"/>
-                                        <p:tgtEl>
-                                          <p:spTgt spid="102">
-                                            <p:txEl>
-                                              <p:pRg st="2" end="2"/>
-                                            </p:txEl>
-                                          </p:spTgt>
-                                        </p:tgtEl>
-                                      </p:cBhvr>
-                                    </p:animEffect>
-                                  </p:childTnLst>
-                                </p:cTn>
-                              </p:par>
-                              <p:par>
-                                <p:cTn id="14" presetID="10" presetClass="entr" presetSubtype="0" fill="hold" nodeType="withEffect">
-                                  <p:stCondLst>
-                                    <p:cond delay="0"/>
-                                  </p:stCondLst>
-                                  <p:childTnLst>
-                                    <p:set>
-                                      <p:cBhvr>
-                                        <p:cTn id="15" dur="1" fill="hold">
-                                          <p:stCondLst>
-                                            <p:cond delay="0"/>
-                                          </p:stCondLst>
-                                        </p:cTn>
-                                        <p:tgtEl>
-                                          <p:spTgt spid="102">
-                                            <p:txEl>
-                                              <p:pRg st="3" end="3"/>
-                                            </p:txEl>
-                                          </p:spTgt>
-                                        </p:tgtEl>
-                                        <p:attrNameLst>
-                                          <p:attrName>style.visibility</p:attrName>
-                                        </p:attrNameLst>
-                                      </p:cBhvr>
-                                      <p:to>
-                                        <p:strVal val="visible"/>
-                                      </p:to>
-                                    </p:set>
-                                    <p:animEffect transition="in" filter="fade">
-                                      <p:cBhvr>
-                                        <p:cTn id="16" dur="500"/>
-                                        <p:tgtEl>
-                                          <p:spTgt spid="102">
-                                            <p:txEl>
-                                              <p:pRg st="3" end="3"/>
-                                            </p:txEl>
-                                          </p:spTgt>
-                                        </p:tgtEl>
-                                      </p:cBhvr>
-                                    </p:animEffect>
-                                  </p:childTnLst>
-                                </p:cTn>
-                              </p:par>
-                              <p:par>
-                                <p:cTn id="17" presetID="10" presetClass="entr" presetSubtype="0" fill="hold" nodeType="withEffect">
-                                  <p:stCondLst>
-                                    <p:cond delay="0"/>
-                                  </p:stCondLst>
-                                  <p:childTnLst>
-                                    <p:set>
-                                      <p:cBhvr>
-                                        <p:cTn id="18" dur="1" fill="hold">
-                                          <p:stCondLst>
-                                            <p:cond delay="0"/>
-                                          </p:stCondLst>
-                                        </p:cTn>
-                                        <p:tgtEl>
-                                          <p:spTgt spid="102">
-                                            <p:txEl>
-                                              <p:pRg st="4" end="4"/>
-                                            </p:txEl>
-                                          </p:spTgt>
-                                        </p:tgtEl>
-                                        <p:attrNameLst>
-                                          <p:attrName>style.visibility</p:attrName>
-                                        </p:attrNameLst>
-                                      </p:cBhvr>
-                                      <p:to>
-                                        <p:strVal val="visible"/>
-                                      </p:to>
-                                    </p:set>
-                                    <p:animEffect transition="in" filter="fade">
-                                      <p:cBhvr>
-                                        <p:cTn id="19" dur="500"/>
-                                        <p:tgtEl>
-                                          <p:spTgt spid="102">
-                                            <p:txEl>
-                                              <p:pRg st="4" end="4"/>
-                                            </p:txEl>
-                                          </p:spTgt>
-                                        </p:tgtEl>
-                                      </p:cBhvr>
-                                    </p:animEffect>
-                                  </p:childTnLst>
-                                </p:cTn>
-                              </p:par>
-                              <p:par>
-                                <p:cTn id="20" presetID="10" presetClass="entr" presetSubtype="0" fill="hold" nodeType="withEffect">
-                                  <p:stCondLst>
-                                    <p:cond delay="0"/>
-                                  </p:stCondLst>
-                                  <p:childTnLst>
-                                    <p:set>
-                                      <p:cBhvr>
-                                        <p:cTn id="21" dur="1" fill="hold">
-                                          <p:stCondLst>
-                                            <p:cond delay="0"/>
-                                          </p:stCondLst>
-                                        </p:cTn>
-                                        <p:tgtEl>
-                                          <p:spTgt spid="102">
-                                            <p:txEl>
-                                              <p:pRg st="5" end="5"/>
-                                            </p:txEl>
-                                          </p:spTgt>
-                                        </p:tgtEl>
-                                        <p:attrNameLst>
-                                          <p:attrName>style.visibility</p:attrName>
-                                        </p:attrNameLst>
-                                      </p:cBhvr>
-                                      <p:to>
-                                        <p:strVal val="visible"/>
-                                      </p:to>
-                                    </p:set>
-                                    <p:animEffect transition="in" filter="fade">
-                                      <p:cBhvr>
-                                        <p:cTn id="22" dur="500"/>
-                                        <p:tgtEl>
-                                          <p:spTgt spid="102">
-                                            <p:txEl>
-                                              <p:pRg st="5" end="5"/>
-                                            </p:txEl>
-                                          </p:spTgt>
-                                        </p:tgtEl>
-                                      </p:cBhvr>
-                                    </p:animEffect>
-                                  </p:childTnLst>
-                                </p:cTn>
-                              </p:par>
-                              <p:par>
-                                <p:cTn id="23" presetID="10" presetClass="entr" presetSubtype="0" fill="hold" nodeType="withEffect">
-                                  <p:stCondLst>
-                                    <p:cond delay="0"/>
-                                  </p:stCondLst>
-                                  <p:childTnLst>
-                                    <p:set>
-                                      <p:cBhvr>
-                                        <p:cTn id="24" dur="1" fill="hold">
-                                          <p:stCondLst>
-                                            <p:cond delay="0"/>
-                                          </p:stCondLst>
-                                        </p:cTn>
-                                        <p:tgtEl>
-                                          <p:spTgt spid="102">
-                                            <p:txEl>
-                                              <p:pRg st="6" end="6"/>
-                                            </p:txEl>
-                                          </p:spTgt>
-                                        </p:tgtEl>
-                                        <p:attrNameLst>
-                                          <p:attrName>style.visibility</p:attrName>
-                                        </p:attrNameLst>
-                                      </p:cBhvr>
-                                      <p:to>
-                                        <p:strVal val="visible"/>
-                                      </p:to>
-                                    </p:set>
-                                    <p:animEffect transition="in" filter="fade">
-                                      <p:cBhvr>
-                                        <p:cTn id="25" dur="500"/>
                                         <p:tgtEl>
                                           <p:spTgt spid="102">
                                             <p:txEl>
@@ -20063,26 +19990,26 @@
                     </p:cTn>
                   </p:par>
                   <p:par>
-                    <p:cTn id="26" fill="hold">
+                    <p:cTn id="14" fill="hold">
                       <p:stCondLst>
                         <p:cond delay="indefinite"/>
                       </p:stCondLst>
                       <p:childTnLst>
                         <p:par>
-                          <p:cTn id="27" fill="hold">
+                          <p:cTn id="15" fill="hold">
                             <p:stCondLst>
                               <p:cond delay="0"/>
                             </p:stCondLst>
                             <p:childTnLst>
                               <p:par>
-                                <p:cTn id="28" presetID="10" presetClass="entr" presetSubtype="0" fill="hold" nodeType="clickEffect">
+                                <p:cTn id="16" presetID="10" presetClass="entr" presetSubtype="0" fill="hold" nodeType="clickEffect">
                                   <p:stCondLst>
                                     <p:cond delay="0"/>
                                   </p:stCondLst>
                                   <p:childTnLst>
                                     <p:set>
                                       <p:cBhvr>
-                                        <p:cTn id="29" dur="1" fill="hold">
+                                        <p:cTn id="17" dur="1" fill="hold">
                                           <p:stCondLst>
                                             <p:cond delay="0"/>
                                           </p:stCondLst>
@@ -20100,7 +20027,7 @@
                                     </p:set>
                                     <p:animEffect transition="in" filter="fade">
                                       <p:cBhvr>
-                                        <p:cTn id="30" dur="500"/>
+                                        <p:cTn id="18" dur="500"/>
                                         <p:tgtEl>
                                           <p:spTgt spid="103"/>
                                         </p:tgtEl>
@@ -20110,14 +20037,14 @@
                                 </p:cTn>
                               </p:par>
                               <p:par>
-                                <p:cTn id="31" presetID="10" presetClass="entr" presetSubtype="0" fill="hold" nodeType="withEffect">
+                                <p:cTn id="19" presetID="10" presetClass="entr" presetSubtype="0" fill="hold" nodeType="withEffect">
                                   <p:stCondLst>
                                     <p:cond delay="0"/>
                                   </p:stCondLst>
                                   <p:childTnLst>
                                     <p:set>
                                       <p:cBhvr>
-                                        <p:cTn id="32" dur="1" fill="hold">
+                                        <p:cTn id="20" dur="1" fill="hold">
                                           <p:stCondLst>
                                             <p:cond delay="0"/>
                                           </p:stCondLst>
@@ -20135,7 +20062,7 @@
                                     </p:set>
                                     <p:animEffect transition="in" filter="fade">
                                       <p:cBhvr>
-                                        <p:cTn id="33" dur="500"/>
+                                        <p:cTn id="21" dur="500"/>
                                         <p:tgtEl>
                                           <p:spTgt spid="104"/>
                                         </p:tgtEl>
